--- a/folded_gilbert/試作/20240122/集積回路設計ミーティング.pptx
+++ b/folded_gilbert/試作/20240122/集積回路設計ミーティング.pptx
@@ -5,11 +5,15 @@
     <p:sldMasterId id="2147483648" r:id="rId1"/>
   </p:sldMasterIdLst>
   <p:notesMasterIdLst>
-    <p:notesMasterId r:id="rId4"/>
+    <p:notesMasterId r:id="rId8"/>
   </p:notesMasterIdLst>
   <p:sldIdLst>
     <p:sldId id="256" r:id="rId2"/>
     <p:sldId id="257" r:id="rId3"/>
+    <p:sldId id="258" r:id="rId4"/>
+    <p:sldId id="259" r:id="rId5"/>
+    <p:sldId id="260" r:id="rId6"/>
+    <p:sldId id="261" r:id="rId7"/>
   </p:sldIdLst>
   <p:sldSz cx="12192000" cy="6858000"/>
   <p:notesSz cx="6858000" cy="9144000"/>
@@ -4933,8 +4937,8 @@
         </p:nvSpPr>
         <p:spPr>
           <a:xfrm>
-            <a:off x="6224632" y="2350144"/>
-            <a:ext cx="5519955" cy="3046988"/>
+            <a:off x="6085636" y="2445287"/>
+            <a:ext cx="5767071" cy="2677656"/>
           </a:xfrm>
           <a:prstGeom prst="rect">
             <a:avLst/>
@@ -5036,6 +5040,869 @@
     <p:extLst>
       <p:ext uri="{BB962C8B-B14F-4D97-AF65-F5344CB8AC3E}">
         <p14:creationId xmlns:p14="http://schemas.microsoft.com/office/powerpoint/2010/main" val="2477900629"/>
+      </p:ext>
+    </p:extLst>
+  </p:cSld>
+  <p:clrMapOvr>
+    <a:masterClrMapping/>
+  </p:clrMapOvr>
+</p:sld>
+</file>
+
+<file path=ppt/slides/slide3.xml><?xml version="1.0" encoding="utf-8"?>
+<p:sld xmlns:a="http://schemas.openxmlformats.org/drawingml/2006/main" xmlns:r="http://schemas.openxmlformats.org/officeDocument/2006/relationships" xmlns:p="http://schemas.openxmlformats.org/presentationml/2006/main">
+  <p:cSld>
+    <p:spTree>
+      <p:nvGrpSpPr>
+        <p:cNvPr id="1" name=""/>
+        <p:cNvGrpSpPr/>
+        <p:nvPr/>
+      </p:nvGrpSpPr>
+      <p:grpSpPr>
+        <a:xfrm>
+          <a:off x="0" y="0"/>
+          <a:ext cx="0" cy="0"/>
+          <a:chOff x="0" y="0"/>
+          <a:chExt cx="0" cy="0"/>
+        </a:xfrm>
+      </p:grpSpPr>
+      <p:sp>
+        <p:nvSpPr>
+          <p:cNvPr id="2" name="タイトル 1">
+            <a:extLst>
+              <a:ext uri="{FF2B5EF4-FFF2-40B4-BE49-F238E27FC236}">
+                <a16:creationId xmlns:a16="http://schemas.microsoft.com/office/drawing/2014/main" id="{2F13AFCE-43FA-F663-6094-E3166E43AAAC}"/>
+              </a:ext>
+            </a:extLst>
+          </p:cNvPr>
+          <p:cNvSpPr>
+            <a:spLocks noGrp="1"/>
+          </p:cNvSpPr>
+          <p:nvPr>
+            <p:ph type="title"/>
+          </p:nvPr>
+        </p:nvSpPr>
+        <p:spPr/>
+        <p:txBody>
+          <a:bodyPr/>
+          <a:lstStyle/>
+          <a:p>
+            <a:r>
+              <a:rPr kumimoji="1" lang="en-US" altLang="ja-JP" dirty="0"/>
+              <a:t>LVS</a:t>
+            </a:r>
+            <a:r>
+              <a:rPr kumimoji="1" lang="ja-JP" altLang="en-US" dirty="0"/>
+              <a:t>と</a:t>
+            </a:r>
+            <a:r>
+              <a:rPr lang="en-US" altLang="ja-JP" dirty="0"/>
+              <a:t>DEEP </a:t>
+            </a:r>
+            <a:r>
+              <a:rPr lang="en-US" altLang="ja-JP" dirty="0" err="1"/>
+              <a:t>NWell</a:t>
+            </a:r>
+            <a:endParaRPr kumimoji="1" lang="ja-JP" altLang="en-US" dirty="0"/>
+          </a:p>
+        </p:txBody>
+      </p:sp>
+      <p:sp>
+        <p:nvSpPr>
+          <p:cNvPr id="3" name="フッター プレースホルダー 2">
+            <a:extLst>
+              <a:ext uri="{FF2B5EF4-FFF2-40B4-BE49-F238E27FC236}">
+                <a16:creationId xmlns:a16="http://schemas.microsoft.com/office/drawing/2014/main" id="{D0DDF8B1-8BFD-0B0C-A7C0-3391157B6019}"/>
+              </a:ext>
+            </a:extLst>
+          </p:cNvPr>
+          <p:cNvSpPr>
+            <a:spLocks noGrp="1"/>
+          </p:cNvSpPr>
+          <p:nvPr>
+            <p:ph type="ftr" sz="quarter" idx="3"/>
+          </p:nvPr>
+        </p:nvSpPr>
+        <p:spPr/>
+        <p:txBody>
+          <a:bodyPr/>
+          <a:lstStyle/>
+          <a:p>
+            <a:r>
+              <a:rPr lang="en-US" altLang="ja-JP"/>
+              <a:t>Wave Signal Processing Circuit Laboratory,  Meiji University</a:t>
+            </a:r>
+            <a:endParaRPr lang="en-US" altLang="ja-JP" dirty="0"/>
+          </a:p>
+        </p:txBody>
+      </p:sp>
+      <p:pic>
+        <p:nvPicPr>
+          <p:cNvPr id="5" name="図 4" descr="グラフィカル ユーザー インターフェイス&#10;&#10;自動的に生成された説明">
+            <a:extLst>
+              <a:ext uri="{FF2B5EF4-FFF2-40B4-BE49-F238E27FC236}">
+                <a16:creationId xmlns:a16="http://schemas.microsoft.com/office/drawing/2014/main" id="{BE9B4245-618A-177F-DD5D-02FDB199D1B9}"/>
+              </a:ext>
+            </a:extLst>
+          </p:cNvPr>
+          <p:cNvPicPr>
+            <a:picLocks noChangeAspect="1"/>
+          </p:cNvPicPr>
+          <p:nvPr/>
+        </p:nvPicPr>
+        <p:blipFill>
+          <a:blip r:embed="rId2">
+            <a:extLst>
+              <a:ext uri="{28A0092B-C50C-407E-A947-70E740481C1C}">
+                <a14:useLocalDpi xmlns:a14="http://schemas.microsoft.com/office/drawing/2010/main" val="0"/>
+              </a:ext>
+            </a:extLst>
+          </a:blip>
+          <a:stretch>
+            <a:fillRect/>
+          </a:stretch>
+        </p:blipFill>
+        <p:spPr>
+          <a:xfrm>
+            <a:off x="146264" y="1076837"/>
+            <a:ext cx="6369644" cy="5414556"/>
+          </a:xfrm>
+          <a:prstGeom prst="rect">
+            <a:avLst/>
+          </a:prstGeom>
+        </p:spPr>
+      </p:pic>
+      <p:sp>
+        <p:nvSpPr>
+          <p:cNvPr id="6" name="テキスト ボックス 5">
+            <a:extLst>
+              <a:ext uri="{FF2B5EF4-FFF2-40B4-BE49-F238E27FC236}">
+                <a16:creationId xmlns:a16="http://schemas.microsoft.com/office/drawing/2014/main" id="{CAF5BED5-25FF-9EFB-6F50-3BBC6D5B67D8}"/>
+              </a:ext>
+            </a:extLst>
+          </p:cNvPr>
+          <p:cNvSpPr txBox="1"/>
+          <p:nvPr/>
+        </p:nvSpPr>
+        <p:spPr>
+          <a:xfrm>
+            <a:off x="6766558" y="2629953"/>
+            <a:ext cx="5019135" cy="2308324"/>
+          </a:xfrm>
+          <a:prstGeom prst="rect">
+            <a:avLst/>
+          </a:prstGeom>
+          <a:noFill/>
+        </p:spPr>
+        <p:txBody>
+          <a:bodyPr wrap="square" rtlCol="0">
+            <a:spAutoFit/>
+          </a:bodyPr>
+          <a:lstStyle/>
+          <a:p>
+            <a:r>
+              <a:rPr kumimoji="1" lang="ja-JP" altLang="en-US" sz="2400" dirty="0"/>
+              <a:t>まず、</a:t>
+            </a:r>
+            <a:r>
+              <a:rPr kumimoji="1" lang="en-US" altLang="ja-JP" sz="2400" dirty="0"/>
+              <a:t>Deep </a:t>
+            </a:r>
+            <a:r>
+              <a:rPr kumimoji="1" lang="en-US" altLang="ja-JP" sz="2400" dirty="0" err="1"/>
+              <a:t>Nwell</a:t>
+            </a:r>
+            <a:r>
+              <a:rPr kumimoji="1" lang="ja-JP" altLang="en-US" sz="2400" dirty="0"/>
+              <a:t>の</a:t>
+            </a:r>
+            <a:r>
+              <a:rPr kumimoji="1" lang="en-US" altLang="ja-JP" sz="2400" dirty="0"/>
+              <a:t>MOS</a:t>
+            </a:r>
+            <a:r>
+              <a:rPr kumimoji="1" lang="ja-JP" altLang="en-US" sz="2400" dirty="0"/>
+              <a:t>を</a:t>
+            </a:r>
+            <a:r>
+              <a:rPr kumimoji="1" lang="en-US" altLang="ja-JP" sz="2400" dirty="0"/>
+              <a:t>4</a:t>
+            </a:r>
+            <a:r>
+              <a:rPr kumimoji="1" lang="ja-JP" altLang="en-US" sz="2400" dirty="0"/>
+              <a:t>つ並べ</a:t>
+            </a:r>
+            <a:r>
+              <a:rPr kumimoji="1" lang="en-US" altLang="ja-JP" sz="2400" dirty="0"/>
+              <a:t>DRC,LVS</a:t>
+            </a:r>
+            <a:r>
+              <a:rPr kumimoji="1" lang="ja-JP" altLang="en-US" sz="2400" dirty="0"/>
+              <a:t>エラーフリーにした。</a:t>
+            </a:r>
+            <a:endParaRPr kumimoji="1" lang="en-US" altLang="ja-JP" sz="2400" dirty="0"/>
+          </a:p>
+          <a:p>
+            <a:endParaRPr lang="en-US" altLang="ja-JP" sz="2400" dirty="0"/>
+          </a:p>
+          <a:p>
+            <a:r>
+              <a:rPr kumimoji="1" lang="ja-JP" altLang="en-US" sz="2400" dirty="0"/>
+              <a:t>左画像は右上の</a:t>
+            </a:r>
+            <a:r>
+              <a:rPr lang="en-US" altLang="ja-JP" sz="2400" dirty="0"/>
+              <a:t>MOS</a:t>
+            </a:r>
+            <a:r>
+              <a:rPr lang="ja-JP" altLang="en-US" sz="2400" dirty="0"/>
+              <a:t>。</a:t>
+            </a:r>
+            <a:endParaRPr lang="en-US" altLang="ja-JP" sz="2400" dirty="0"/>
+          </a:p>
+          <a:p>
+            <a:r>
+              <a:rPr kumimoji="1" lang="ja-JP" altLang="en-US" sz="2400" dirty="0"/>
+              <a:t>今回は</a:t>
+            </a:r>
+            <a:r>
+              <a:rPr kumimoji="1" lang="en-US" altLang="ja-JP" sz="2400" dirty="0"/>
+              <a:t>LVS</a:t>
+            </a:r>
+            <a:r>
+              <a:rPr kumimoji="1" lang="ja-JP" altLang="en-US" sz="2400" dirty="0"/>
+              <a:t>の検証のため配線はつながっていればなんでもいい。</a:t>
+            </a:r>
+          </a:p>
+        </p:txBody>
+      </p:sp>
+    </p:spTree>
+    <p:extLst>
+      <p:ext uri="{BB962C8B-B14F-4D97-AF65-F5344CB8AC3E}">
+        <p14:creationId xmlns:p14="http://schemas.microsoft.com/office/powerpoint/2010/main" val="1773086588"/>
+      </p:ext>
+    </p:extLst>
+  </p:cSld>
+  <p:clrMapOvr>
+    <a:masterClrMapping/>
+  </p:clrMapOvr>
+</p:sld>
+</file>
+
+<file path=ppt/slides/slide4.xml><?xml version="1.0" encoding="utf-8"?>
+<p:sld xmlns:a="http://schemas.openxmlformats.org/drawingml/2006/main" xmlns:r="http://schemas.openxmlformats.org/officeDocument/2006/relationships" xmlns:p="http://schemas.openxmlformats.org/presentationml/2006/main">
+  <p:cSld>
+    <p:spTree>
+      <p:nvGrpSpPr>
+        <p:cNvPr id="1" name=""/>
+        <p:cNvGrpSpPr/>
+        <p:nvPr/>
+      </p:nvGrpSpPr>
+      <p:grpSpPr>
+        <a:xfrm>
+          <a:off x="0" y="0"/>
+          <a:ext cx="0" cy="0"/>
+          <a:chOff x="0" y="0"/>
+          <a:chExt cx="0" cy="0"/>
+        </a:xfrm>
+      </p:grpSpPr>
+      <p:sp>
+        <p:nvSpPr>
+          <p:cNvPr id="2" name="タイトル 1">
+            <a:extLst>
+              <a:ext uri="{FF2B5EF4-FFF2-40B4-BE49-F238E27FC236}">
+                <a16:creationId xmlns:a16="http://schemas.microsoft.com/office/drawing/2014/main" id="{9F23C01B-B951-9C43-AB04-8D18E2D8EB96}"/>
+              </a:ext>
+            </a:extLst>
+          </p:cNvPr>
+          <p:cNvSpPr>
+            <a:spLocks noGrp="1"/>
+          </p:cNvSpPr>
+          <p:nvPr>
+            <p:ph type="title"/>
+          </p:nvPr>
+        </p:nvSpPr>
+        <p:spPr/>
+        <p:txBody>
+          <a:bodyPr/>
+          <a:lstStyle/>
+          <a:p>
+            <a:r>
+              <a:rPr kumimoji="1" lang="en-US" altLang="ja-JP" dirty="0"/>
+              <a:t>LVS</a:t>
+            </a:r>
+            <a:r>
+              <a:rPr kumimoji="1" lang="ja-JP" altLang="en-US" dirty="0"/>
+              <a:t>と</a:t>
+            </a:r>
+            <a:r>
+              <a:rPr lang="en-US" altLang="ja-JP" dirty="0"/>
+              <a:t>DEEP </a:t>
+            </a:r>
+            <a:r>
+              <a:rPr lang="en-US" altLang="ja-JP" dirty="0" err="1"/>
+              <a:t>NWell</a:t>
+            </a:r>
+            <a:endParaRPr kumimoji="1" lang="ja-JP" altLang="en-US" dirty="0"/>
+          </a:p>
+        </p:txBody>
+      </p:sp>
+      <p:sp>
+        <p:nvSpPr>
+          <p:cNvPr id="3" name="フッター プレースホルダー 2">
+            <a:extLst>
+              <a:ext uri="{FF2B5EF4-FFF2-40B4-BE49-F238E27FC236}">
+                <a16:creationId xmlns:a16="http://schemas.microsoft.com/office/drawing/2014/main" id="{8F08ACAA-47B4-D575-5068-F4B79C4A1932}"/>
+              </a:ext>
+            </a:extLst>
+          </p:cNvPr>
+          <p:cNvSpPr>
+            <a:spLocks noGrp="1"/>
+          </p:cNvSpPr>
+          <p:nvPr>
+            <p:ph type="ftr" sz="quarter" idx="3"/>
+          </p:nvPr>
+        </p:nvSpPr>
+        <p:spPr/>
+        <p:txBody>
+          <a:bodyPr/>
+          <a:lstStyle/>
+          <a:p>
+            <a:r>
+              <a:rPr lang="en-US" altLang="ja-JP"/>
+              <a:t>Wave Signal Processing Circuit Laboratory,  Meiji University</a:t>
+            </a:r>
+            <a:endParaRPr lang="en-US" altLang="ja-JP" dirty="0"/>
+          </a:p>
+        </p:txBody>
+      </p:sp>
+      <p:pic>
+        <p:nvPicPr>
+          <p:cNvPr id="5" name="図 4" descr="時計 が含まれている画像&#10;&#10;自動的に生成された説明">
+            <a:extLst>
+              <a:ext uri="{FF2B5EF4-FFF2-40B4-BE49-F238E27FC236}">
+                <a16:creationId xmlns:a16="http://schemas.microsoft.com/office/drawing/2014/main" id="{78C88E2F-771F-90DD-4FCC-1ACD42ECA62A}"/>
+              </a:ext>
+            </a:extLst>
+          </p:cNvPr>
+          <p:cNvPicPr>
+            <a:picLocks noChangeAspect="1"/>
+          </p:cNvPicPr>
+          <p:nvPr/>
+        </p:nvPicPr>
+        <p:blipFill>
+          <a:blip r:embed="rId2">
+            <a:extLst>
+              <a:ext uri="{28A0092B-C50C-407E-A947-70E740481C1C}">
+                <a14:useLocalDpi xmlns:a14="http://schemas.microsoft.com/office/drawing/2010/main" val="0"/>
+              </a:ext>
+            </a:extLst>
+          </a:blip>
+          <a:stretch>
+            <a:fillRect/>
+          </a:stretch>
+        </p:blipFill>
+        <p:spPr>
+          <a:xfrm>
+            <a:off x="182171" y="1163499"/>
+            <a:ext cx="6326526" cy="5409297"/>
+          </a:xfrm>
+          <a:prstGeom prst="rect">
+            <a:avLst/>
+          </a:prstGeom>
+        </p:spPr>
+      </p:pic>
+      <p:sp>
+        <p:nvSpPr>
+          <p:cNvPr id="6" name="テキスト ボックス 5">
+            <a:extLst>
+              <a:ext uri="{FF2B5EF4-FFF2-40B4-BE49-F238E27FC236}">
+                <a16:creationId xmlns:a16="http://schemas.microsoft.com/office/drawing/2014/main" id="{DFE52D0D-3A88-898B-A2F1-C3ACB60C517C}"/>
+              </a:ext>
+            </a:extLst>
+          </p:cNvPr>
+          <p:cNvSpPr txBox="1"/>
+          <p:nvPr/>
+        </p:nvSpPr>
+        <p:spPr>
+          <a:xfrm>
+            <a:off x="6801392" y="2713986"/>
+            <a:ext cx="4973303" cy="2308324"/>
+          </a:xfrm>
+          <a:prstGeom prst="rect">
+            <a:avLst/>
+          </a:prstGeom>
+          <a:noFill/>
+        </p:spPr>
+        <p:txBody>
+          <a:bodyPr wrap="square" rtlCol="0">
+            <a:spAutoFit/>
+          </a:bodyPr>
+          <a:lstStyle/>
+          <a:p>
+            <a:pPr algn="l"/>
+            <a:r>
+              <a:rPr kumimoji="1" lang="ja-JP" altLang="en-US" sz="2400" dirty="0"/>
+              <a:t>レイアウト全体。</a:t>
+            </a:r>
+            <a:endParaRPr kumimoji="1" lang="en-US" altLang="ja-JP" sz="2400" dirty="0"/>
+          </a:p>
+          <a:p>
+            <a:pPr algn="l"/>
+            <a:r>
+              <a:rPr kumimoji="1" lang="ja-JP" altLang="en-US" sz="2400" dirty="0"/>
+              <a:t>左ではすでに左半分の</a:t>
+            </a:r>
+            <a:r>
+              <a:rPr kumimoji="1" lang="en-US" altLang="ja-JP" sz="2400" dirty="0"/>
+              <a:t>Deep </a:t>
+            </a:r>
+            <a:r>
+              <a:rPr kumimoji="1" lang="en-US" altLang="ja-JP" sz="2400" dirty="0" err="1"/>
+              <a:t>Nwell</a:t>
+            </a:r>
+            <a:r>
+              <a:rPr kumimoji="1" lang="ja-JP" altLang="en-US" sz="2400" dirty="0"/>
+              <a:t>がないがそのレイヤー込みで</a:t>
+            </a:r>
+            <a:r>
+              <a:rPr kumimoji="1" lang="en-US" altLang="ja-JP" sz="2400" dirty="0"/>
+              <a:t>DRC,LVS</a:t>
+            </a:r>
+            <a:r>
+              <a:rPr kumimoji="1" lang="ja-JP" altLang="en-US" sz="2400" dirty="0"/>
+              <a:t>エラーをなくしてから</a:t>
+            </a:r>
+            <a:r>
+              <a:rPr kumimoji="1" lang="en-US" altLang="ja-JP" sz="2400" dirty="0"/>
+              <a:t>Deep </a:t>
+            </a:r>
+            <a:r>
+              <a:rPr kumimoji="1" lang="en-US" altLang="ja-JP" sz="2400" dirty="0" err="1"/>
+              <a:t>Nwell</a:t>
+            </a:r>
+            <a:r>
+              <a:rPr kumimoji="1" lang="ja-JP" altLang="en-US" sz="2400" dirty="0"/>
+              <a:t>を消し</a:t>
+            </a:r>
+            <a:r>
+              <a:rPr kumimoji="1" lang="en-US" altLang="ja-JP" sz="2400" dirty="0"/>
+              <a:t>DRC,LVS</a:t>
+            </a:r>
+            <a:r>
+              <a:rPr kumimoji="1" lang="ja-JP" altLang="en-US" sz="2400" dirty="0"/>
+              <a:t>を実行。どちらもエラーは出なかった。</a:t>
+            </a:r>
+            <a:endParaRPr kumimoji="1" lang="en-US" altLang="ja-JP" sz="2400" dirty="0"/>
+          </a:p>
+        </p:txBody>
+      </p:sp>
+    </p:spTree>
+    <p:extLst>
+      <p:ext uri="{BB962C8B-B14F-4D97-AF65-F5344CB8AC3E}">
+        <p14:creationId xmlns:p14="http://schemas.microsoft.com/office/powerpoint/2010/main" val="3692946525"/>
+      </p:ext>
+    </p:extLst>
+  </p:cSld>
+  <p:clrMapOvr>
+    <a:masterClrMapping/>
+  </p:clrMapOvr>
+</p:sld>
+</file>
+
+<file path=ppt/slides/slide5.xml><?xml version="1.0" encoding="utf-8"?>
+<p:sld xmlns:a="http://schemas.openxmlformats.org/drawingml/2006/main" xmlns:r="http://schemas.openxmlformats.org/officeDocument/2006/relationships" xmlns:p="http://schemas.openxmlformats.org/presentationml/2006/main">
+  <p:cSld>
+    <p:spTree>
+      <p:nvGrpSpPr>
+        <p:cNvPr id="1" name=""/>
+        <p:cNvGrpSpPr/>
+        <p:nvPr/>
+      </p:nvGrpSpPr>
+      <p:grpSpPr>
+        <a:xfrm>
+          <a:off x="0" y="0"/>
+          <a:ext cx="0" cy="0"/>
+          <a:chOff x="0" y="0"/>
+          <a:chExt cx="0" cy="0"/>
+        </a:xfrm>
+      </p:grpSpPr>
+      <p:sp>
+        <p:nvSpPr>
+          <p:cNvPr id="2" name="タイトル 1">
+            <a:extLst>
+              <a:ext uri="{FF2B5EF4-FFF2-40B4-BE49-F238E27FC236}">
+                <a16:creationId xmlns:a16="http://schemas.microsoft.com/office/drawing/2014/main" id="{41B3EDB2-5A86-6863-2266-D3CB00A22F4F}"/>
+              </a:ext>
+            </a:extLst>
+          </p:cNvPr>
+          <p:cNvSpPr>
+            <a:spLocks noGrp="1"/>
+          </p:cNvSpPr>
+          <p:nvPr>
+            <p:ph type="title"/>
+          </p:nvPr>
+        </p:nvSpPr>
+        <p:spPr/>
+        <p:txBody>
+          <a:bodyPr/>
+          <a:lstStyle/>
+          <a:p>
+            <a:r>
+              <a:rPr kumimoji="1" lang="en-US" altLang="ja-JP" dirty="0"/>
+              <a:t>LVS</a:t>
+            </a:r>
+            <a:r>
+              <a:rPr kumimoji="1" lang="ja-JP" altLang="en-US" dirty="0"/>
+              <a:t>と</a:t>
+            </a:r>
+            <a:r>
+              <a:rPr lang="en-US" altLang="ja-JP" dirty="0"/>
+              <a:t>DEEP </a:t>
+            </a:r>
+            <a:r>
+              <a:rPr lang="en-US" altLang="ja-JP" dirty="0" err="1"/>
+              <a:t>NWell</a:t>
+            </a:r>
+            <a:endParaRPr kumimoji="1" lang="ja-JP" altLang="en-US" dirty="0"/>
+          </a:p>
+        </p:txBody>
+      </p:sp>
+      <p:sp>
+        <p:nvSpPr>
+          <p:cNvPr id="3" name="フッター プレースホルダー 2">
+            <a:extLst>
+              <a:ext uri="{FF2B5EF4-FFF2-40B4-BE49-F238E27FC236}">
+                <a16:creationId xmlns:a16="http://schemas.microsoft.com/office/drawing/2014/main" id="{BA2BFF13-9D21-3725-6006-1C41B8F18828}"/>
+              </a:ext>
+            </a:extLst>
+          </p:cNvPr>
+          <p:cNvSpPr>
+            <a:spLocks noGrp="1"/>
+          </p:cNvSpPr>
+          <p:nvPr>
+            <p:ph type="ftr" sz="quarter" idx="3"/>
+          </p:nvPr>
+        </p:nvSpPr>
+        <p:spPr/>
+        <p:txBody>
+          <a:bodyPr/>
+          <a:lstStyle/>
+          <a:p>
+            <a:r>
+              <a:rPr lang="en-US" altLang="ja-JP"/>
+              <a:t>Wave Signal Processing Circuit Laboratory,  Meiji University</a:t>
+            </a:r>
+            <a:endParaRPr lang="en-US" altLang="ja-JP" dirty="0"/>
+          </a:p>
+        </p:txBody>
+      </p:sp>
+      <p:pic>
+        <p:nvPicPr>
+          <p:cNvPr id="5" name="図 4" descr="時計 が含まれている画像&#10;&#10;自動的に生成された説明">
+            <a:extLst>
+              <a:ext uri="{FF2B5EF4-FFF2-40B4-BE49-F238E27FC236}">
+                <a16:creationId xmlns:a16="http://schemas.microsoft.com/office/drawing/2014/main" id="{27AB9E63-E114-2C5F-78B6-60C3F474FFBF}"/>
+              </a:ext>
+            </a:extLst>
+          </p:cNvPr>
+          <p:cNvPicPr>
+            <a:picLocks noChangeAspect="1"/>
+          </p:cNvPicPr>
+          <p:nvPr/>
+        </p:nvPicPr>
+        <p:blipFill>
+          <a:blip r:embed="rId2">
+            <a:extLst>
+              <a:ext uri="{28A0092B-C50C-407E-A947-70E740481C1C}">
+                <a14:useLocalDpi xmlns:a14="http://schemas.microsoft.com/office/drawing/2010/main" val="0"/>
+              </a:ext>
+            </a:extLst>
+          </a:blip>
+          <a:stretch>
+            <a:fillRect/>
+          </a:stretch>
+        </p:blipFill>
+        <p:spPr>
+          <a:xfrm>
+            <a:off x="370853" y="1100329"/>
+            <a:ext cx="5838358" cy="5472467"/>
+          </a:xfrm>
+          <a:prstGeom prst="rect">
+            <a:avLst/>
+          </a:prstGeom>
+        </p:spPr>
+      </p:pic>
+      <p:sp>
+        <p:nvSpPr>
+          <p:cNvPr id="6" name="テキスト ボックス 5">
+            <a:extLst>
+              <a:ext uri="{FF2B5EF4-FFF2-40B4-BE49-F238E27FC236}">
+                <a16:creationId xmlns:a16="http://schemas.microsoft.com/office/drawing/2014/main" id="{98B076D6-E075-5345-C0C3-B82B1932B217}"/>
+              </a:ext>
+            </a:extLst>
+          </p:cNvPr>
+          <p:cNvSpPr txBox="1"/>
+          <p:nvPr/>
+        </p:nvSpPr>
+        <p:spPr>
+          <a:xfrm>
+            <a:off x="6889218" y="3429000"/>
+            <a:ext cx="4528457" cy="830997"/>
+          </a:xfrm>
+          <a:prstGeom prst="rect">
+            <a:avLst/>
+          </a:prstGeom>
+          <a:noFill/>
+        </p:spPr>
+        <p:txBody>
+          <a:bodyPr wrap="square" rtlCol="0">
+            <a:spAutoFit/>
+          </a:bodyPr>
+          <a:lstStyle/>
+          <a:p>
+            <a:pPr algn="l"/>
+            <a:r>
+              <a:rPr kumimoji="1" lang="ja-JP" altLang="en-US" sz="2400" dirty="0"/>
+              <a:t>外側の</a:t>
+            </a:r>
+            <a:r>
+              <a:rPr kumimoji="1" lang="en-US" altLang="ja-JP" sz="2400" dirty="0"/>
+              <a:t>N </a:t>
+            </a:r>
+            <a:r>
+              <a:rPr kumimoji="1" lang="en-US" altLang="ja-JP" sz="2400" dirty="0" err="1"/>
+              <a:t>guardring</a:t>
+            </a:r>
+            <a:r>
+              <a:rPr kumimoji="1" lang="ja-JP" altLang="en-US" sz="2400" dirty="0"/>
+              <a:t>を消去すると</a:t>
+            </a:r>
+            <a:r>
+              <a:rPr lang="en-US" altLang="ja-JP" sz="2400" dirty="0"/>
+              <a:t>LVS</a:t>
+            </a:r>
+            <a:r>
+              <a:rPr lang="ja-JP" altLang="en-US" sz="2400" dirty="0"/>
+              <a:t>エラーが発生。</a:t>
+            </a:r>
+            <a:endParaRPr kumimoji="1" lang="ja-JP" altLang="en-US" sz="2400" dirty="0"/>
+          </a:p>
+        </p:txBody>
+      </p:sp>
+    </p:spTree>
+    <p:extLst>
+      <p:ext uri="{BB962C8B-B14F-4D97-AF65-F5344CB8AC3E}">
+        <p14:creationId xmlns:p14="http://schemas.microsoft.com/office/powerpoint/2010/main" val="4011681684"/>
+      </p:ext>
+    </p:extLst>
+  </p:cSld>
+  <p:clrMapOvr>
+    <a:masterClrMapping/>
+  </p:clrMapOvr>
+</p:sld>
+</file>
+
+<file path=ppt/slides/slide6.xml><?xml version="1.0" encoding="utf-8"?>
+<p:sld xmlns:a="http://schemas.openxmlformats.org/drawingml/2006/main" xmlns:r="http://schemas.openxmlformats.org/officeDocument/2006/relationships" xmlns:p="http://schemas.openxmlformats.org/presentationml/2006/main">
+  <p:cSld>
+    <p:spTree>
+      <p:nvGrpSpPr>
+        <p:cNvPr id="1" name=""/>
+        <p:cNvGrpSpPr/>
+        <p:nvPr/>
+      </p:nvGrpSpPr>
+      <p:grpSpPr>
+        <a:xfrm>
+          <a:off x="0" y="0"/>
+          <a:ext cx="0" cy="0"/>
+          <a:chOff x="0" y="0"/>
+          <a:chExt cx="0" cy="0"/>
+        </a:xfrm>
+      </p:grpSpPr>
+      <p:sp>
+        <p:nvSpPr>
+          <p:cNvPr id="2" name="タイトル 1">
+            <a:extLst>
+              <a:ext uri="{FF2B5EF4-FFF2-40B4-BE49-F238E27FC236}">
+                <a16:creationId xmlns:a16="http://schemas.microsoft.com/office/drawing/2014/main" id="{660CEC79-FAC9-D2BE-7E85-C994F439F5D5}"/>
+              </a:ext>
+            </a:extLst>
+          </p:cNvPr>
+          <p:cNvSpPr>
+            <a:spLocks noGrp="1"/>
+          </p:cNvSpPr>
+          <p:nvPr>
+            <p:ph type="title"/>
+          </p:nvPr>
+        </p:nvSpPr>
+        <p:spPr/>
+        <p:txBody>
+          <a:bodyPr/>
+          <a:lstStyle/>
+          <a:p>
+            <a:r>
+              <a:rPr kumimoji="1" lang="en-US" altLang="ja-JP" dirty="0"/>
+              <a:t>LVS</a:t>
+            </a:r>
+            <a:r>
+              <a:rPr kumimoji="1" lang="ja-JP" altLang="en-US" dirty="0"/>
+              <a:t>と</a:t>
+            </a:r>
+            <a:r>
+              <a:rPr lang="en-US" altLang="ja-JP" dirty="0"/>
+              <a:t>DEEP </a:t>
+            </a:r>
+            <a:r>
+              <a:rPr lang="en-US" altLang="ja-JP" dirty="0" err="1"/>
+              <a:t>NWell</a:t>
+            </a:r>
+            <a:endParaRPr kumimoji="1" lang="ja-JP" altLang="en-US" dirty="0"/>
+          </a:p>
+        </p:txBody>
+      </p:sp>
+      <p:sp>
+        <p:nvSpPr>
+          <p:cNvPr id="3" name="フッター プレースホルダー 2">
+            <a:extLst>
+              <a:ext uri="{FF2B5EF4-FFF2-40B4-BE49-F238E27FC236}">
+                <a16:creationId xmlns:a16="http://schemas.microsoft.com/office/drawing/2014/main" id="{622BF496-D3E3-7DA0-5CA7-4810B0F180C4}"/>
+              </a:ext>
+            </a:extLst>
+          </p:cNvPr>
+          <p:cNvSpPr>
+            <a:spLocks noGrp="1"/>
+          </p:cNvSpPr>
+          <p:nvPr>
+            <p:ph type="ftr" sz="quarter" idx="3"/>
+          </p:nvPr>
+        </p:nvSpPr>
+        <p:spPr/>
+        <p:txBody>
+          <a:bodyPr/>
+          <a:lstStyle/>
+          <a:p>
+            <a:r>
+              <a:rPr lang="en-US" altLang="ja-JP"/>
+              <a:t>Wave Signal Processing Circuit Laboratory,  Meiji University</a:t>
+            </a:r>
+            <a:endParaRPr lang="en-US" altLang="ja-JP" dirty="0"/>
+          </a:p>
+        </p:txBody>
+      </p:sp>
+      <p:pic>
+        <p:nvPicPr>
+          <p:cNvPr id="5" name="図 4" descr="時計 が含まれている画像&#10;&#10;自動的に生成された説明">
+            <a:extLst>
+              <a:ext uri="{FF2B5EF4-FFF2-40B4-BE49-F238E27FC236}">
+                <a16:creationId xmlns:a16="http://schemas.microsoft.com/office/drawing/2014/main" id="{E85AB2FE-4114-AB3C-D552-E0482C55884E}"/>
+              </a:ext>
+            </a:extLst>
+          </p:cNvPr>
+          <p:cNvPicPr>
+            <a:picLocks noChangeAspect="1"/>
+          </p:cNvPicPr>
+          <p:nvPr/>
+        </p:nvPicPr>
+        <p:blipFill>
+          <a:blip r:embed="rId2">
+            <a:extLst>
+              <a:ext uri="{28A0092B-C50C-407E-A947-70E740481C1C}">
+                <a14:useLocalDpi xmlns:a14="http://schemas.microsoft.com/office/drawing/2010/main" val="0"/>
+              </a:ext>
+            </a:extLst>
+          </a:blip>
+          <a:stretch>
+            <a:fillRect/>
+          </a:stretch>
+        </p:blipFill>
+        <p:spPr>
+          <a:xfrm>
+            <a:off x="370853" y="1119072"/>
+            <a:ext cx="5803524" cy="5453723"/>
+          </a:xfrm>
+          <a:prstGeom prst="rect">
+            <a:avLst/>
+          </a:prstGeom>
+        </p:spPr>
+      </p:pic>
+      <p:sp>
+        <p:nvSpPr>
+          <p:cNvPr id="6" name="テキスト ボックス 5">
+            <a:extLst>
+              <a:ext uri="{FF2B5EF4-FFF2-40B4-BE49-F238E27FC236}">
+                <a16:creationId xmlns:a16="http://schemas.microsoft.com/office/drawing/2014/main" id="{0A8D8AF3-B832-0CB8-2171-92736DBFB566}"/>
+              </a:ext>
+            </a:extLst>
+          </p:cNvPr>
+          <p:cNvSpPr txBox="1"/>
+          <p:nvPr/>
+        </p:nvSpPr>
+        <p:spPr>
+          <a:xfrm>
+            <a:off x="6749143" y="3039291"/>
+            <a:ext cx="4746171" cy="1938992"/>
+          </a:xfrm>
+          <a:prstGeom prst="rect">
+            <a:avLst/>
+          </a:prstGeom>
+          <a:noFill/>
+        </p:spPr>
+        <p:txBody>
+          <a:bodyPr wrap="square" rtlCol="0">
+            <a:spAutoFit/>
+          </a:bodyPr>
+          <a:lstStyle/>
+          <a:p>
+            <a:pPr algn="l"/>
+            <a:r>
+              <a:rPr kumimoji="1" lang="ja-JP" altLang="en-US" sz="2400" dirty="0"/>
+              <a:t>左上のバルクをグランドに落とすと</a:t>
+            </a:r>
+            <a:r>
+              <a:rPr kumimoji="1" lang="en-US" altLang="ja-JP" sz="2400" dirty="0"/>
+              <a:t>LVS</a:t>
+            </a:r>
+            <a:r>
+              <a:rPr kumimoji="1" lang="ja-JP" altLang="en-US" sz="2400" dirty="0"/>
+              <a:t>エラーが解消した。</a:t>
+            </a:r>
+            <a:endParaRPr kumimoji="1" lang="en-US" altLang="ja-JP" sz="2400" dirty="0"/>
+          </a:p>
+          <a:p>
+            <a:pPr algn="l"/>
+            <a:endParaRPr lang="en-US" altLang="ja-JP" sz="2400" dirty="0"/>
+          </a:p>
+          <a:p>
+            <a:pPr algn="l"/>
+            <a:r>
+              <a:rPr lang="ja-JP" altLang="en-US" sz="2400" dirty="0"/>
+              <a:t>⇒二重ガードリングだと</a:t>
+            </a:r>
+            <a:r>
+              <a:rPr lang="en-US" altLang="ja-JP" sz="2400" dirty="0"/>
+              <a:t>Deep </a:t>
+            </a:r>
+            <a:r>
+              <a:rPr lang="ja-JP" altLang="en-US" sz="2400" dirty="0"/>
+              <a:t>　</a:t>
+            </a:r>
+            <a:r>
+              <a:rPr lang="en-US" altLang="ja-JP" sz="2400" dirty="0" err="1"/>
+              <a:t>NWell</a:t>
+            </a:r>
+            <a:r>
+              <a:rPr lang="ja-JP" altLang="en-US" sz="2400" dirty="0"/>
+              <a:t>でなくてもエラーは出ない。</a:t>
+            </a:r>
+            <a:endParaRPr kumimoji="1" lang="ja-JP" altLang="en-US" sz="2400" dirty="0"/>
+          </a:p>
+        </p:txBody>
+      </p:sp>
+    </p:spTree>
+    <p:extLst>
+      <p:ext uri="{BB962C8B-B14F-4D97-AF65-F5344CB8AC3E}">
+        <p14:creationId xmlns:p14="http://schemas.microsoft.com/office/powerpoint/2010/main" val="222388677"/>
       </p:ext>
     </p:extLst>
   </p:cSld>
@@ -5330,7 +6197,21 @@
       </a:bgFillStyleLst>
     </a:fmtScheme>
   </a:themeElements>
-  <a:objectDefaults/>
+  <a:objectDefaults>
+    <a:txDef>
+      <a:spPr>
+        <a:noFill/>
+      </a:spPr>
+      <a:bodyPr wrap="square" rtlCol="0">
+        <a:spAutoFit/>
+      </a:bodyPr>
+      <a:lstStyle>
+        <a:defPPr algn="l">
+          <a:defRPr kumimoji="1" sz="2400" dirty="0"/>
+        </a:defPPr>
+      </a:lstStyle>
+    </a:txDef>
+  </a:objectDefaults>
   <a:extraClrSchemeLst/>
   <a:extLst>
     <a:ext uri="{05A4C25C-085E-4340-85A3-A5531E510DB2}">
